--- a/Data management tool.pptx
+++ b/Data management tool.pptx
@@ -8,11 +8,12 @@
     <p:sldId id="256" r:id="rId2"/>
     <p:sldId id="257" r:id="rId3"/>
     <p:sldId id="258" r:id="rId4"/>
-    <p:sldId id="259" r:id="rId5"/>
-    <p:sldId id="260" r:id="rId6"/>
-    <p:sldId id="261" r:id="rId7"/>
-    <p:sldId id="262" r:id="rId8"/>
-    <p:sldId id="263" r:id="rId9"/>
+    <p:sldId id="265" r:id="rId5"/>
+    <p:sldId id="259" r:id="rId6"/>
+    <p:sldId id="260" r:id="rId7"/>
+    <p:sldId id="261" r:id="rId8"/>
+    <p:sldId id="262" r:id="rId9"/>
+    <p:sldId id="263" r:id="rId10"/>
   </p:sldIdLst>
   <p:sldSz cx="12192000" cy="6858000"/>
   <p:notesSz cx="6858000" cy="9144000"/>
@@ -266,7 +267,7 @@
           <a:p>
             <a:fld id="{AF1EAB3B-466C-423D-A892-9221DF2978EE}" type="datetimeFigureOut">
               <a:rPr lang="en-US" smtClean="0"/>
-              <a:t>5/11/2023</a:t>
+              <a:t>5/12/2023</a:t>
             </a:fld>
             <a:endParaRPr lang="en-US"/>
           </a:p>
@@ -464,7 +465,7 @@
           <a:p>
             <a:fld id="{AF1EAB3B-466C-423D-A892-9221DF2978EE}" type="datetimeFigureOut">
               <a:rPr lang="en-US" smtClean="0"/>
-              <a:t>5/11/2023</a:t>
+              <a:t>5/12/2023</a:t>
             </a:fld>
             <a:endParaRPr lang="en-US"/>
           </a:p>
@@ -672,7 +673,7 @@
           <a:p>
             <a:fld id="{AF1EAB3B-466C-423D-A892-9221DF2978EE}" type="datetimeFigureOut">
               <a:rPr lang="en-US" smtClean="0"/>
-              <a:t>5/11/2023</a:t>
+              <a:t>5/12/2023</a:t>
             </a:fld>
             <a:endParaRPr lang="en-US"/>
           </a:p>
@@ -870,7 +871,7 @@
           <a:p>
             <a:fld id="{AF1EAB3B-466C-423D-A892-9221DF2978EE}" type="datetimeFigureOut">
               <a:rPr lang="en-US" smtClean="0"/>
-              <a:t>5/11/2023</a:t>
+              <a:t>5/12/2023</a:t>
             </a:fld>
             <a:endParaRPr lang="en-US"/>
           </a:p>
@@ -1145,7 +1146,7 @@
           <a:p>
             <a:fld id="{AF1EAB3B-466C-423D-A892-9221DF2978EE}" type="datetimeFigureOut">
               <a:rPr lang="en-US" smtClean="0"/>
-              <a:t>5/11/2023</a:t>
+              <a:t>5/12/2023</a:t>
             </a:fld>
             <a:endParaRPr lang="en-US"/>
           </a:p>
@@ -1410,7 +1411,7 @@
           <a:p>
             <a:fld id="{AF1EAB3B-466C-423D-A892-9221DF2978EE}" type="datetimeFigureOut">
               <a:rPr lang="en-US" smtClean="0"/>
-              <a:t>5/11/2023</a:t>
+              <a:t>5/12/2023</a:t>
             </a:fld>
             <a:endParaRPr lang="en-US"/>
           </a:p>
@@ -1822,7 +1823,7 @@
           <a:p>
             <a:fld id="{AF1EAB3B-466C-423D-A892-9221DF2978EE}" type="datetimeFigureOut">
               <a:rPr lang="en-US" smtClean="0"/>
-              <a:t>5/11/2023</a:t>
+              <a:t>5/12/2023</a:t>
             </a:fld>
             <a:endParaRPr lang="en-US"/>
           </a:p>
@@ -1963,7 +1964,7 @@
           <a:p>
             <a:fld id="{AF1EAB3B-466C-423D-A892-9221DF2978EE}" type="datetimeFigureOut">
               <a:rPr lang="en-US" smtClean="0"/>
-              <a:t>5/11/2023</a:t>
+              <a:t>5/12/2023</a:t>
             </a:fld>
             <a:endParaRPr lang="en-US"/>
           </a:p>
@@ -2076,7 +2077,7 @@
           <a:p>
             <a:fld id="{AF1EAB3B-466C-423D-A892-9221DF2978EE}" type="datetimeFigureOut">
               <a:rPr lang="en-US" smtClean="0"/>
-              <a:t>5/11/2023</a:t>
+              <a:t>5/12/2023</a:t>
             </a:fld>
             <a:endParaRPr lang="en-US"/>
           </a:p>
@@ -2387,7 +2388,7 @@
           <a:p>
             <a:fld id="{AF1EAB3B-466C-423D-A892-9221DF2978EE}" type="datetimeFigureOut">
               <a:rPr lang="en-US" smtClean="0"/>
-              <a:t>5/11/2023</a:t>
+              <a:t>5/12/2023</a:t>
             </a:fld>
             <a:endParaRPr lang="en-US"/>
           </a:p>
@@ -2675,7 +2676,7 @@
           <a:p>
             <a:fld id="{AF1EAB3B-466C-423D-A892-9221DF2978EE}" type="datetimeFigureOut">
               <a:rPr lang="en-US" smtClean="0"/>
-              <a:t>5/11/2023</a:t>
+              <a:t>5/12/2023</a:t>
             </a:fld>
             <a:endParaRPr lang="en-US"/>
           </a:p>
@@ -2916,7 +2917,7 @@
           <a:p>
             <a:fld id="{AF1EAB3B-466C-423D-A892-9221DF2978EE}" type="datetimeFigureOut">
               <a:rPr lang="en-US" smtClean="0"/>
-              <a:t>5/11/2023</a:t>
+              <a:t>5/12/2023</a:t>
             </a:fld>
             <a:endParaRPr lang="en-US"/>
           </a:p>
@@ -3361,31 +3362,6 @@
           </a:p>
         </p:txBody>
       </p:sp>
-      <p:sp>
-        <p:nvSpPr>
-          <p:cNvPr id="3" name="Subtitle 2">
-            <a:extLst>
-              <a:ext uri="{FF2B5EF4-FFF2-40B4-BE49-F238E27FC236}">
-                <a16:creationId xmlns:a16="http://schemas.microsoft.com/office/drawing/2014/main" id="{9D1657BF-F20D-8F03-810C-7C3372BD4A06}"/>
-              </a:ext>
-            </a:extLst>
-          </p:cNvPr>
-          <p:cNvSpPr>
-            <a:spLocks noGrp="1"/>
-          </p:cNvSpPr>
-          <p:nvPr>
-            <p:ph type="subTitle" idx="1"/>
-          </p:nvPr>
-        </p:nvSpPr>
-        <p:spPr/>
-        <p:txBody>
-          <a:bodyPr/>
-          <a:lstStyle/>
-          <a:p>
-            <a:endParaRPr lang="en-US" dirty="0"/>
-          </a:p>
-        </p:txBody>
-      </p:sp>
     </p:spTree>
     <p:extLst>
       <p:ext uri="{BB962C8B-B14F-4D97-AF65-F5344CB8AC3E}">
@@ -3468,7 +3444,7 @@
         </p:spPr>
         <p:txBody>
           <a:bodyPr>
-            <a:normAutofit fontScale="47500" lnSpcReduction="20000"/>
+            <a:normAutofit fontScale="40000" lnSpcReduction="20000"/>
           </a:bodyPr>
           <a:lstStyle/>
           <a:p>
@@ -3737,8 +3713,63 @@
                 <a:effectLst/>
                 <a:latin typeface="Söhne"/>
               </a:rPr>
-              <a:t>Data Persistence: using CSV file</a:t>
-            </a:r>
+              <a:t>Data Persistence: using CSV file and  </a:t>
+            </a:r>
+            <a:r>
+              <a:rPr lang="en-US" dirty="0" err="1">
+                <a:solidFill>
+                  <a:srgbClr val="374151"/>
+                </a:solidFill>
+                <a:latin typeface="Söhne"/>
+              </a:rPr>
+              <a:t>mon</a:t>
+            </a:r>
+            <a:r>
+              <a:rPr lang="en-US" b="0" i="0" dirty="0" err="1">
+                <a:solidFill>
+                  <a:srgbClr val="374151"/>
+                </a:solidFill>
+                <a:effectLst/>
+                <a:latin typeface="Söhne"/>
+              </a:rPr>
+              <a:t>goDB</a:t>
+            </a:r>
+            <a:r>
+              <a:rPr lang="en-US" b="0" i="0" dirty="0">
+                <a:solidFill>
+                  <a:srgbClr val="374151"/>
+                </a:solidFill>
+                <a:effectLst/>
+                <a:latin typeface="Söhne"/>
+              </a:rPr>
+              <a:t> to store and retrieve data for user. Interact with the database using an ORM (Object-Relational Mapping) Mongoose.</a:t>
+            </a:r>
+          </a:p>
+          <a:p>
+            <a:pPr marL="742950" lvl="1" indent="-285750" algn="l">
+              <a:buFont typeface="+mj-lt"/>
+              <a:buAutoNum type="arabicPeriod"/>
+            </a:pPr>
+            <a:r>
+              <a:rPr lang="en-US" b="0" i="0" dirty="0">
+                <a:solidFill>
+                  <a:srgbClr val="374151"/>
+                </a:solidFill>
+                <a:effectLst/>
+                <a:latin typeface="Söhne"/>
+              </a:rPr>
+              <a:t>Authentication and Authorization: Implement user authentication and authorization using libraries like JSON Web Tokens (JWT) to secure the API endpoints and manage user sessions.</a:t>
+            </a:r>
+            <a:br>
+              <a:rPr lang="en-US" dirty="0"/>
+            </a:br>
+            <a:endParaRPr lang="en-US" b="0" i="0" dirty="0">
+              <a:solidFill>
+                <a:srgbClr val="374151"/>
+              </a:solidFill>
+              <a:effectLst/>
+              <a:latin typeface="Söhne"/>
+            </a:endParaRPr>
           </a:p>
           <a:p>
             <a:pPr algn="l">
@@ -3982,7 +4013,7 @@
           <p:cNvPr id="2" name="Title 1">
             <a:extLst>
               <a:ext uri="{FF2B5EF4-FFF2-40B4-BE49-F238E27FC236}">
-                <a16:creationId xmlns:a16="http://schemas.microsoft.com/office/drawing/2014/main" id="{203047E3-E24F-6B04-8620-AF234D0E9AA3}"/>
+                <a16:creationId xmlns:a16="http://schemas.microsoft.com/office/drawing/2014/main" id="{735B2211-7C70-8781-89A3-889DA5BB60A0}"/>
               </a:ext>
             </a:extLst>
           </p:cNvPr>
@@ -4000,17 +4031,133 @@
           <a:p>
             <a:r>
               <a:rPr lang="en-US" dirty="0"/>
-              <a:t>Landing page </a:t>
+              <a:t>Landing page(Sign In/Register)</a:t>
             </a:r>
           </a:p>
         </p:txBody>
       </p:sp>
       <p:pic>
         <p:nvPicPr>
-          <p:cNvPr id="5" name="Content Placeholder 4">
-            <a:extLst>
-              <a:ext uri="{FF2B5EF4-FFF2-40B4-BE49-F238E27FC236}">
-                <a16:creationId xmlns:a16="http://schemas.microsoft.com/office/drawing/2014/main" id="{AF3B32CF-DEE2-4F42-2521-AA101B8926CF}"/>
+          <p:cNvPr id="6" name="Content Placeholder 5">
+            <a:extLst>
+              <a:ext uri="{FF2B5EF4-FFF2-40B4-BE49-F238E27FC236}">
+                <a16:creationId xmlns:a16="http://schemas.microsoft.com/office/drawing/2014/main" id="{4EC0483E-3B17-83F9-DCFD-548053F26A21}"/>
+              </a:ext>
+            </a:extLst>
+          </p:cNvPr>
+          <p:cNvPicPr>
+            <a:picLocks noGrp="1" noChangeAspect="1"/>
+          </p:cNvPicPr>
+          <p:nvPr>
+            <p:ph sz="half" idx="1"/>
+          </p:nvPr>
+        </p:nvPicPr>
+        <p:blipFill>
+          <a:blip r:embed="rId2"/>
+          <a:stretch>
+            <a:fillRect/>
+          </a:stretch>
+        </p:blipFill>
+        <p:spPr>
+          <a:xfrm>
+            <a:off x="838200" y="2543969"/>
+            <a:ext cx="5181600" cy="2914650"/>
+          </a:xfrm>
+        </p:spPr>
+      </p:pic>
+      <p:pic>
+        <p:nvPicPr>
+          <p:cNvPr id="8" name="Content Placeholder 7">
+            <a:extLst>
+              <a:ext uri="{FF2B5EF4-FFF2-40B4-BE49-F238E27FC236}">
+                <a16:creationId xmlns:a16="http://schemas.microsoft.com/office/drawing/2014/main" id="{7092956B-755B-6CCD-C1F1-9BF971EA191A}"/>
+              </a:ext>
+            </a:extLst>
+          </p:cNvPr>
+          <p:cNvPicPr>
+            <a:picLocks noGrp="1" noChangeAspect="1"/>
+          </p:cNvPicPr>
+          <p:nvPr>
+            <p:ph sz="half" idx="2"/>
+          </p:nvPr>
+        </p:nvPicPr>
+        <p:blipFill>
+          <a:blip r:embed="rId3"/>
+          <a:stretch>
+            <a:fillRect/>
+          </a:stretch>
+        </p:blipFill>
+        <p:spPr>
+          <a:xfrm>
+            <a:off x="6172200" y="2543969"/>
+            <a:ext cx="5181600" cy="2914650"/>
+          </a:xfrm>
+        </p:spPr>
+      </p:pic>
+    </p:spTree>
+    <p:extLst>
+      <p:ext uri="{BB962C8B-B14F-4D97-AF65-F5344CB8AC3E}">
+        <p14:creationId xmlns:p14="http://schemas.microsoft.com/office/powerpoint/2010/main" val="3898144255"/>
+      </p:ext>
+    </p:extLst>
+  </p:cSld>
+  <p:clrMapOvr>
+    <a:masterClrMapping/>
+  </p:clrMapOvr>
+</p:sld>
+</file>
+
+<file path=ppt/slides/slide5.xml><?xml version="1.0" encoding="utf-8"?>
+<p:sld xmlns:a="http://schemas.openxmlformats.org/drawingml/2006/main" xmlns:r="http://schemas.openxmlformats.org/officeDocument/2006/relationships" xmlns:p="http://schemas.openxmlformats.org/presentationml/2006/main">
+  <p:cSld>
+    <p:spTree>
+      <p:nvGrpSpPr>
+        <p:cNvPr id="1" name=""/>
+        <p:cNvGrpSpPr/>
+        <p:nvPr/>
+      </p:nvGrpSpPr>
+      <p:grpSpPr>
+        <a:xfrm>
+          <a:off x="0" y="0"/>
+          <a:ext cx="0" cy="0"/>
+          <a:chOff x="0" y="0"/>
+          <a:chExt cx="0" cy="0"/>
+        </a:xfrm>
+      </p:grpSpPr>
+      <p:sp>
+        <p:nvSpPr>
+          <p:cNvPr id="2" name="Title 1">
+            <a:extLst>
+              <a:ext uri="{FF2B5EF4-FFF2-40B4-BE49-F238E27FC236}">
+                <a16:creationId xmlns:a16="http://schemas.microsoft.com/office/drawing/2014/main" id="{203047E3-E24F-6B04-8620-AF234D0E9AA3}"/>
+              </a:ext>
+            </a:extLst>
+          </p:cNvPr>
+          <p:cNvSpPr>
+            <a:spLocks noGrp="1"/>
+          </p:cNvSpPr>
+          <p:nvPr>
+            <p:ph type="title"/>
+          </p:nvPr>
+        </p:nvSpPr>
+        <p:spPr/>
+        <p:txBody>
+          <a:bodyPr/>
+          <a:lstStyle/>
+          <a:p>
+            <a:r>
+              <a:rPr lang="en-US" dirty="0"/>
+              <a:t>Dashboard page after login </a:t>
+            </a:r>
+          </a:p>
+        </p:txBody>
+      </p:sp>
+      <p:pic>
+        <p:nvPicPr>
+          <p:cNvPr id="9" name="Content Placeholder 8">
+            <a:extLst>
+              <a:ext uri="{FF2B5EF4-FFF2-40B4-BE49-F238E27FC236}">
+                <a16:creationId xmlns:a16="http://schemas.microsoft.com/office/drawing/2014/main" id="{29F3156E-C425-8167-CD02-60930F194A3E}"/>
               </a:ext>
             </a:extLst>
           </p:cNvPr>
@@ -4047,7 +4194,7 @@
 </p:sld>
 </file>
 
-<file path=ppt/slides/slide5.xml><?xml version="1.0" encoding="utf-8"?>
+<file path=ppt/slides/slide6.xml><?xml version="1.0" encoding="utf-8"?>
 <p:sld xmlns:a="http://schemas.openxmlformats.org/drawingml/2006/main" xmlns:r="http://schemas.openxmlformats.org/officeDocument/2006/relationships" xmlns:p="http://schemas.openxmlformats.org/presentationml/2006/main">
   <p:cSld>
     <p:spTree>
@@ -4102,10 +4249,10 @@
       </p:sp>
       <p:pic>
         <p:nvPicPr>
-          <p:cNvPr id="5" name="Content Placeholder 4">
-            <a:extLst>
-              <a:ext uri="{FF2B5EF4-FFF2-40B4-BE49-F238E27FC236}">
-                <a16:creationId xmlns:a16="http://schemas.microsoft.com/office/drawing/2014/main" id="{1DB1581A-2268-06F6-BFC1-66CD3CFE2CA6}"/>
+          <p:cNvPr id="7" name="Content Placeholder 6">
+            <a:extLst>
+              <a:ext uri="{FF2B5EF4-FFF2-40B4-BE49-F238E27FC236}">
+                <a16:creationId xmlns:a16="http://schemas.microsoft.com/office/drawing/2014/main" id="{D36C1DC5-30DE-9CE8-328C-6E1B44B40B58}"/>
               </a:ext>
             </a:extLst>
           </p:cNvPr>
@@ -4142,7 +4289,7 @@
 </p:sld>
 </file>
 
-<file path=ppt/slides/slide6.xml><?xml version="1.0" encoding="utf-8"?>
+<file path=ppt/slides/slide7.xml><?xml version="1.0" encoding="utf-8"?>
 <p:sld xmlns:a="http://schemas.openxmlformats.org/drawingml/2006/main" xmlns:r="http://schemas.openxmlformats.org/officeDocument/2006/relationships" xmlns:p="http://schemas.openxmlformats.org/presentationml/2006/main">
   <p:cSld>
     <p:spTree>
@@ -4189,10 +4336,10 @@
       </p:sp>
       <p:pic>
         <p:nvPicPr>
-          <p:cNvPr id="5" name="Content Placeholder 4">
-            <a:extLst>
-              <a:ext uri="{FF2B5EF4-FFF2-40B4-BE49-F238E27FC236}">
-                <a16:creationId xmlns:a16="http://schemas.microsoft.com/office/drawing/2014/main" id="{CFE4A31F-871B-88B8-A738-94ADCD729DAE}"/>
+          <p:cNvPr id="7" name="Content Placeholder 6">
+            <a:extLst>
+              <a:ext uri="{FF2B5EF4-FFF2-40B4-BE49-F238E27FC236}">
+                <a16:creationId xmlns:a16="http://schemas.microsoft.com/office/drawing/2014/main" id="{3DED635D-D4F1-ACB7-305F-1EC3BF7A31EA}"/>
               </a:ext>
             </a:extLst>
           </p:cNvPr>
@@ -4229,7 +4376,7 @@
 </p:sld>
 </file>
 
-<file path=ppt/slides/slide7.xml><?xml version="1.0" encoding="utf-8"?>
+<file path=ppt/slides/slide8.xml><?xml version="1.0" encoding="utf-8"?>
 <p:sld xmlns:a="http://schemas.openxmlformats.org/drawingml/2006/main" xmlns:r="http://schemas.openxmlformats.org/officeDocument/2006/relationships" xmlns:p="http://schemas.openxmlformats.org/presentationml/2006/main">
   <p:cSld>
     <p:spTree>
@@ -4276,10 +4423,10 @@
       </p:sp>
       <p:pic>
         <p:nvPicPr>
-          <p:cNvPr id="9" name="Content Placeholder 8">
-            <a:extLst>
-              <a:ext uri="{FF2B5EF4-FFF2-40B4-BE49-F238E27FC236}">
-                <a16:creationId xmlns:a16="http://schemas.microsoft.com/office/drawing/2014/main" id="{A35E6247-4CDF-7BB2-4FBB-B2813A9DD221}"/>
+          <p:cNvPr id="6" name="Content Placeholder 5">
+            <a:extLst>
+              <a:ext uri="{FF2B5EF4-FFF2-40B4-BE49-F238E27FC236}">
+                <a16:creationId xmlns:a16="http://schemas.microsoft.com/office/drawing/2014/main" id="{134C3A42-F34D-009C-89E9-ED7F9CC75FEC}"/>
               </a:ext>
             </a:extLst>
           </p:cNvPr>
@@ -4316,7 +4463,7 @@
 </p:sld>
 </file>
 
-<file path=ppt/slides/slide8.xml><?xml version="1.0" encoding="utf-8"?>
+<file path=ppt/slides/slide9.xml><?xml version="1.0" encoding="utf-8"?>
 <p:sld xmlns:a="http://schemas.openxmlformats.org/drawingml/2006/main" xmlns:r="http://schemas.openxmlformats.org/officeDocument/2006/relationships" xmlns:p="http://schemas.openxmlformats.org/presentationml/2006/main">
   <p:cSld>
     <p:spTree>
@@ -4356,8 +4503,13 @@
           <a:p>
             <a:r>
               <a:rPr lang="en-US" dirty="0"/>
-              <a:t>					Thanks</a:t>
-            </a:r>
+              <a:t>					</a:t>
+            </a:r>
+            <a:r>
+              <a:rPr lang="en-US"/>
+              <a:t>Thank You</a:t>
+            </a:r>
+            <a:endParaRPr lang="en-US" dirty="0"/>
           </a:p>
         </p:txBody>
       </p:sp>

--- a/Data management tool.pptx
+++ b/Data management tool.pptx
@@ -267,7 +267,7 @@
           <a:p>
             <a:fld id="{AF1EAB3B-466C-423D-A892-9221DF2978EE}" type="datetimeFigureOut">
               <a:rPr lang="en-US" smtClean="0"/>
-              <a:t>5/12/2023</a:t>
+              <a:t>5/15/2023</a:t>
             </a:fld>
             <a:endParaRPr lang="en-US"/>
           </a:p>
@@ -465,7 +465,7 @@
           <a:p>
             <a:fld id="{AF1EAB3B-466C-423D-A892-9221DF2978EE}" type="datetimeFigureOut">
               <a:rPr lang="en-US" smtClean="0"/>
-              <a:t>5/12/2023</a:t>
+              <a:t>5/15/2023</a:t>
             </a:fld>
             <a:endParaRPr lang="en-US"/>
           </a:p>
@@ -673,7 +673,7 @@
           <a:p>
             <a:fld id="{AF1EAB3B-466C-423D-A892-9221DF2978EE}" type="datetimeFigureOut">
               <a:rPr lang="en-US" smtClean="0"/>
-              <a:t>5/12/2023</a:t>
+              <a:t>5/15/2023</a:t>
             </a:fld>
             <a:endParaRPr lang="en-US"/>
           </a:p>
@@ -871,7 +871,7 @@
           <a:p>
             <a:fld id="{AF1EAB3B-466C-423D-A892-9221DF2978EE}" type="datetimeFigureOut">
               <a:rPr lang="en-US" smtClean="0"/>
-              <a:t>5/12/2023</a:t>
+              <a:t>5/15/2023</a:t>
             </a:fld>
             <a:endParaRPr lang="en-US"/>
           </a:p>
@@ -1146,7 +1146,7 @@
           <a:p>
             <a:fld id="{AF1EAB3B-466C-423D-A892-9221DF2978EE}" type="datetimeFigureOut">
               <a:rPr lang="en-US" smtClean="0"/>
-              <a:t>5/12/2023</a:t>
+              <a:t>5/15/2023</a:t>
             </a:fld>
             <a:endParaRPr lang="en-US"/>
           </a:p>
@@ -1411,7 +1411,7 @@
           <a:p>
             <a:fld id="{AF1EAB3B-466C-423D-A892-9221DF2978EE}" type="datetimeFigureOut">
               <a:rPr lang="en-US" smtClean="0"/>
-              <a:t>5/12/2023</a:t>
+              <a:t>5/15/2023</a:t>
             </a:fld>
             <a:endParaRPr lang="en-US"/>
           </a:p>
@@ -1823,7 +1823,7 @@
           <a:p>
             <a:fld id="{AF1EAB3B-466C-423D-A892-9221DF2978EE}" type="datetimeFigureOut">
               <a:rPr lang="en-US" smtClean="0"/>
-              <a:t>5/12/2023</a:t>
+              <a:t>5/15/2023</a:t>
             </a:fld>
             <a:endParaRPr lang="en-US"/>
           </a:p>
@@ -1964,7 +1964,7 @@
           <a:p>
             <a:fld id="{AF1EAB3B-466C-423D-A892-9221DF2978EE}" type="datetimeFigureOut">
               <a:rPr lang="en-US" smtClean="0"/>
-              <a:t>5/12/2023</a:t>
+              <a:t>5/15/2023</a:t>
             </a:fld>
             <a:endParaRPr lang="en-US"/>
           </a:p>
@@ -2077,7 +2077,7 @@
           <a:p>
             <a:fld id="{AF1EAB3B-466C-423D-A892-9221DF2978EE}" type="datetimeFigureOut">
               <a:rPr lang="en-US" smtClean="0"/>
-              <a:t>5/12/2023</a:t>
+              <a:t>5/15/2023</a:t>
             </a:fld>
             <a:endParaRPr lang="en-US"/>
           </a:p>
@@ -2388,7 +2388,7 @@
           <a:p>
             <a:fld id="{AF1EAB3B-466C-423D-A892-9221DF2978EE}" type="datetimeFigureOut">
               <a:rPr lang="en-US" smtClean="0"/>
-              <a:t>5/12/2023</a:t>
+              <a:t>5/15/2023</a:t>
             </a:fld>
             <a:endParaRPr lang="en-US"/>
           </a:p>
@@ -2676,7 +2676,7 @@
           <a:p>
             <a:fld id="{AF1EAB3B-466C-423D-A892-9221DF2978EE}" type="datetimeFigureOut">
               <a:rPr lang="en-US" smtClean="0"/>
-              <a:t>5/12/2023</a:t>
+              <a:t>5/15/2023</a:t>
             </a:fld>
             <a:endParaRPr lang="en-US"/>
           </a:p>
@@ -2917,7 +2917,7 @@
           <a:p>
             <a:fld id="{AF1EAB3B-466C-423D-A892-9221DF2978EE}" type="datetimeFigureOut">
               <a:rPr lang="en-US" smtClean="0"/>
-              <a:t>5/12/2023</a:t>
+              <a:t>5/15/2023</a:t>
             </a:fld>
             <a:endParaRPr lang="en-US"/>
           </a:p>
@@ -3597,6 +3597,42 @@
               </a:rPr>
               <a:t>Less processor for using CSS and also use styled-component</a:t>
             </a:r>
+          </a:p>
+          <a:p>
+            <a:pPr marL="742950" lvl="1" indent="-285750" algn="l">
+              <a:buFont typeface="+mj-lt"/>
+              <a:buAutoNum type="arabicPeriod"/>
+            </a:pPr>
+            <a:r>
+              <a:rPr lang="en-US" b="0" i="0" dirty="0" err="1">
+                <a:solidFill>
+                  <a:srgbClr val="374151"/>
+                </a:solidFill>
+                <a:effectLst/>
+                <a:latin typeface="Söhne"/>
+              </a:rPr>
+              <a:t>ReduxToolkit</a:t>
+            </a:r>
+            <a:r>
+              <a:rPr lang="en-US" b="0" i="0" dirty="0">
+                <a:solidFill>
+                  <a:srgbClr val="374151"/>
+                </a:solidFill>
+                <a:effectLst/>
+                <a:latin typeface="Söhne"/>
+              </a:rPr>
+              <a:t> for state </a:t>
+            </a:r>
+            <a:r>
+              <a:rPr lang="en-US" b="0" i="0">
+                <a:solidFill>
+                  <a:srgbClr val="374151"/>
+                </a:solidFill>
+                <a:effectLst/>
+                <a:latin typeface="Söhne"/>
+              </a:rPr>
+              <a:t>management for user</a:t>
+            </a:r>
             <a:endParaRPr lang="en-US" b="0" i="0" dirty="0">
               <a:solidFill>
                 <a:srgbClr val="374151"/>
